--- a/assets/ASE-UnoGame.pptx
+++ b/assets/ASE-UnoGame.pptx
@@ -37,7 +37,7 @@
     <p:sldId id="310" r:id="rId28"/>
     <p:sldId id="311" r:id="rId29"/>
     <p:sldId id="312" r:id="rId30"/>
-    <p:sldId id="313" r:id="rId31"/>
+    <p:sldId id="316" r:id="rId31"/>
     <p:sldId id="309" r:id="rId32"/>
     <p:sldId id="305" r:id="rId33"/>
     <p:sldId id="308" r:id="rId34"/>
@@ -250,7 +250,7 @@
           <a:p>
             <a:fld id="{C7263770-852D-404A-B8A4-7B9AAD26BEE7}" type="datetimeFigureOut">
               <a:rPr lang="de-DE" smtClean="0"/>
-              <a:t>13.08.2024</a:t>
+              <a:t>14.08.2024</a:t>
             </a:fld>
             <a:endParaRPr lang="de-DE"/>
           </a:p>
@@ -1628,7 +1628,7 @@
           <a:p>
             <a:fld id="{7C7C1501-BC74-407B-A464-3D414263157A}" type="datetimeFigureOut">
               <a:rPr lang="de-DE" smtClean="0"/>
-              <a:t>13.08.2024</a:t>
+              <a:t>14.08.2024</a:t>
             </a:fld>
             <a:endParaRPr lang="de-DE"/>
           </a:p>
@@ -1826,7 +1826,7 @@
           <a:p>
             <a:fld id="{7C7C1501-BC74-407B-A464-3D414263157A}" type="datetimeFigureOut">
               <a:rPr lang="de-DE" smtClean="0"/>
-              <a:t>13.08.2024</a:t>
+              <a:t>14.08.2024</a:t>
             </a:fld>
             <a:endParaRPr lang="de-DE"/>
           </a:p>
@@ -2034,7 +2034,7 @@
           <a:p>
             <a:fld id="{7C7C1501-BC74-407B-A464-3D414263157A}" type="datetimeFigureOut">
               <a:rPr lang="de-DE" smtClean="0"/>
-              <a:t>13.08.2024</a:t>
+              <a:t>14.08.2024</a:t>
             </a:fld>
             <a:endParaRPr lang="de-DE"/>
           </a:p>
@@ -2232,7 +2232,7 @@
           <a:p>
             <a:fld id="{7C7C1501-BC74-407B-A464-3D414263157A}" type="datetimeFigureOut">
               <a:rPr lang="de-DE" smtClean="0"/>
-              <a:t>13.08.2024</a:t>
+              <a:t>14.08.2024</a:t>
             </a:fld>
             <a:endParaRPr lang="de-DE"/>
           </a:p>
@@ -2507,7 +2507,7 @@
           <a:p>
             <a:fld id="{7C7C1501-BC74-407B-A464-3D414263157A}" type="datetimeFigureOut">
               <a:rPr lang="de-DE" smtClean="0"/>
-              <a:t>13.08.2024</a:t>
+              <a:t>14.08.2024</a:t>
             </a:fld>
             <a:endParaRPr lang="de-DE"/>
           </a:p>
@@ -2772,7 +2772,7 @@
           <a:p>
             <a:fld id="{7C7C1501-BC74-407B-A464-3D414263157A}" type="datetimeFigureOut">
               <a:rPr lang="de-DE" smtClean="0"/>
-              <a:t>13.08.2024</a:t>
+              <a:t>14.08.2024</a:t>
             </a:fld>
             <a:endParaRPr lang="de-DE"/>
           </a:p>
@@ -3184,7 +3184,7 @@
           <a:p>
             <a:fld id="{7C7C1501-BC74-407B-A464-3D414263157A}" type="datetimeFigureOut">
               <a:rPr lang="de-DE" smtClean="0"/>
-              <a:t>13.08.2024</a:t>
+              <a:t>14.08.2024</a:t>
             </a:fld>
             <a:endParaRPr lang="de-DE"/>
           </a:p>
@@ -3325,7 +3325,7 @@
           <a:p>
             <a:fld id="{7C7C1501-BC74-407B-A464-3D414263157A}" type="datetimeFigureOut">
               <a:rPr lang="de-DE" smtClean="0"/>
-              <a:t>13.08.2024</a:t>
+              <a:t>14.08.2024</a:t>
             </a:fld>
             <a:endParaRPr lang="de-DE"/>
           </a:p>
@@ -3438,7 +3438,7 @@
           <a:p>
             <a:fld id="{7C7C1501-BC74-407B-A464-3D414263157A}" type="datetimeFigureOut">
               <a:rPr lang="de-DE" smtClean="0"/>
-              <a:t>13.08.2024</a:t>
+              <a:t>14.08.2024</a:t>
             </a:fld>
             <a:endParaRPr lang="de-DE"/>
           </a:p>
@@ -3749,7 +3749,7 @@
           <a:p>
             <a:fld id="{7C7C1501-BC74-407B-A464-3D414263157A}" type="datetimeFigureOut">
               <a:rPr lang="de-DE" smtClean="0"/>
-              <a:t>13.08.2024</a:t>
+              <a:t>14.08.2024</a:t>
             </a:fld>
             <a:endParaRPr lang="de-DE"/>
           </a:p>
@@ -4037,7 +4037,7 @@
           <a:p>
             <a:fld id="{7C7C1501-BC74-407B-A464-3D414263157A}" type="datetimeFigureOut">
               <a:rPr lang="de-DE" smtClean="0"/>
-              <a:t>13.08.2024</a:t>
+              <a:t>14.08.2024</a:t>
             </a:fld>
             <a:endParaRPr lang="de-DE"/>
           </a:p>
@@ -4278,7 +4278,7 @@
           <a:p>
             <a:fld id="{7C7C1501-BC74-407B-A464-3D414263157A}" type="datetimeFigureOut">
               <a:rPr lang="de-DE" smtClean="0"/>
-              <a:t>13.08.2024</a:t>
+              <a:t>14.08.2024</a:t>
             </a:fld>
             <a:endParaRPr lang="de-DE"/>
           </a:p>
@@ -10130,6 +10130,36 @@
           <a:chExt cx="0" cy="0"/>
         </a:xfrm>
       </p:grpSpPr>
+      <p:pic>
+        <p:nvPicPr>
+          <p:cNvPr id="6" name="Grafik 5">
+            <a:extLst>
+              <a:ext uri="{FF2B5EF4-FFF2-40B4-BE49-F238E27FC236}">
+                <a16:creationId xmlns:a16="http://schemas.microsoft.com/office/drawing/2014/main" id="{FE79FD7C-3E53-B343-AEAB-FC3B3814F062}"/>
+              </a:ext>
+            </a:extLst>
+          </p:cNvPr>
+          <p:cNvPicPr>
+            <a:picLocks noChangeAspect="1"/>
+          </p:cNvPicPr>
+          <p:nvPr/>
+        </p:nvPicPr>
+        <p:blipFill>
+          <a:blip r:embed="rId2"/>
+          <a:stretch>
+            <a:fillRect/>
+          </a:stretch>
+        </p:blipFill>
+        <p:spPr>
+          <a:xfrm>
+            <a:off x="55660" y="418203"/>
+            <a:ext cx="12192000" cy="3868247"/>
+          </a:xfrm>
+          <a:prstGeom prst="rect">
+            <a:avLst/>
+          </a:prstGeom>
+        </p:spPr>
+      </p:pic>
       <p:sp>
         <p:nvSpPr>
           <p:cNvPr id="4" name="Textfeld 3">
@@ -10819,40 +10849,58 @@
           </a:p>
         </p:txBody>
       </p:sp>
-      <p:pic>
-        <p:nvPicPr>
-          <p:cNvPr id="6" name="Grafik 5">
-            <a:extLst>
-              <a:ext uri="{FF2B5EF4-FFF2-40B4-BE49-F238E27FC236}">
-                <a16:creationId xmlns:a16="http://schemas.microsoft.com/office/drawing/2014/main" id="{FE79FD7C-3E53-B343-AEAB-FC3B3814F062}"/>
-              </a:ext>
-            </a:extLst>
-          </p:cNvPr>
-          <p:cNvPicPr>
-            <a:picLocks noChangeAspect="1"/>
-          </p:cNvPicPr>
-          <p:nvPr/>
-        </p:nvPicPr>
-        <p:blipFill>
-          <a:blip r:embed="rId2"/>
-          <a:stretch>
-            <a:fillRect/>
-          </a:stretch>
-        </p:blipFill>
-        <p:spPr>
-          <a:xfrm>
-            <a:off x="0" y="-119269"/>
-            <a:ext cx="12192000" cy="3868247"/>
-          </a:xfrm>
-          <a:prstGeom prst="rect">
-            <a:avLst/>
-          </a:prstGeom>
-        </p:spPr>
-      </p:pic>
+      <p:sp>
+        <p:nvSpPr>
+          <p:cNvPr id="2" name="Textfeld 1">
+            <a:extLst>
+              <a:ext uri="{FF2B5EF4-FFF2-40B4-BE49-F238E27FC236}">
+                <a16:creationId xmlns:a16="http://schemas.microsoft.com/office/drawing/2014/main" id="{AF9FD406-B45A-357E-BC45-D77CC9916AF5}"/>
+              </a:ext>
+            </a:extLst>
+          </p:cNvPr>
+          <p:cNvSpPr txBox="1"/>
+          <p:nvPr/>
+        </p:nvSpPr>
+        <p:spPr>
+          <a:xfrm>
+            <a:off x="7685259" y="-55797"/>
+            <a:ext cx="4184579" cy="369332"/>
+          </a:xfrm>
+          <a:prstGeom prst="rect">
+            <a:avLst/>
+          </a:prstGeom>
+          <a:noFill/>
+        </p:spPr>
+        <p:txBody>
+          <a:bodyPr wrap="square">
+            <a:spAutoFit/>
+          </a:bodyPr>
+          <a:lstStyle/>
+          <a:p>
+            <a:r>
+              <a:rPr lang="de-DE" b="1" dirty="0"/>
+              <a:t>ATRIP </a:t>
+            </a:r>
+            <a:r>
+              <a:rPr lang="de-DE" b="1" dirty="0" err="1"/>
+              <a:t>Thorough</a:t>
+            </a:r>
+            <a:r>
+              <a:rPr lang="de-DE" b="1" dirty="0"/>
+              <a:t> - </a:t>
+            </a:r>
+            <a:r>
+              <a:rPr lang="de-DE" i="1" dirty="0" err="1"/>
+              <a:t>CodeCoverage</a:t>
+            </a:r>
+            <a:endParaRPr lang="de-DE" b="1" dirty="0"/>
+          </a:p>
+        </p:txBody>
+      </p:sp>
     </p:spTree>
     <p:extLst>
       <p:ext uri="{BB962C8B-B14F-4D97-AF65-F5344CB8AC3E}">
-        <p14:creationId xmlns:p14="http://schemas.microsoft.com/office/powerpoint/2010/main" val="1435308086"/>
+        <p14:creationId xmlns:p14="http://schemas.microsoft.com/office/powerpoint/2010/main" val="850791780"/>
       </p:ext>
     </p:extLst>
   </p:cSld>
